--- a/JAVASCRIPTANDTYPESCRIPT/Programming Questions.pptx
+++ b/JAVASCRIPTANDTYPESCRIPT/Programming Questions.pptx
@@ -30,6 +30,23 @@
     <p:sldId id="279" r:id="rId24"/>
     <p:sldId id="280" r:id="rId25"/>
     <p:sldId id="281" r:id="rId26"/>
+    <p:sldId id="282" r:id="rId27"/>
+    <p:sldId id="283" r:id="rId28"/>
+    <p:sldId id="284" r:id="rId29"/>
+    <p:sldId id="285" r:id="rId30"/>
+    <p:sldId id="286" r:id="rId31"/>
+    <p:sldId id="287" r:id="rId32"/>
+    <p:sldId id="288" r:id="rId33"/>
+    <p:sldId id="289" r:id="rId34"/>
+    <p:sldId id="290" r:id="rId35"/>
+    <p:sldId id="291" r:id="rId36"/>
+    <p:sldId id="292" r:id="rId37"/>
+    <p:sldId id="293" r:id="rId38"/>
+    <p:sldId id="294" r:id="rId39"/>
+    <p:sldId id="295" r:id="rId40"/>
+    <p:sldId id="296" r:id="rId41"/>
+    <p:sldId id="297" r:id="rId42"/>
+    <p:sldId id="298" r:id="rId43"/>
   </p:sldIdLst>
   <p:sldSz cx="12192000" cy="6858000"/>
   <p:notesSz cx="6858000" cy="9144000"/>
@@ -128,6 +145,11 @@
       </a:defRPr>
     </a:lvl9pPr>
   </p:defaultTextStyle>
+  <p:extLst>
+    <p:ext uri="{EFAFB233-063F-42B5-8137-9DF3F51BA10A}">
+      <p15:sldGuideLst xmlns:p15="http://schemas.microsoft.com/office/powerpoint/2012/main"/>
+    </p:ext>
+  </p:extLst>
 </p:presentation>
 </file>
 
@@ -262,7 +284,7 @@
           <a:p>
             <a:fld id="{8562E7A6-3343-40DE-966F-1A633C07EAEA}" type="datetimeFigureOut">
               <a:rPr lang="en-IN" smtClean="0"/>
-              <a:t>28-12-2024</a:t>
+              <a:t>29-12-2024</a:t>
             </a:fld>
             <a:endParaRPr lang="en-IN"/>
           </a:p>
@@ -432,7 +454,7 @@
           <a:p>
             <a:fld id="{8562E7A6-3343-40DE-966F-1A633C07EAEA}" type="datetimeFigureOut">
               <a:rPr lang="en-IN" smtClean="0"/>
-              <a:t>28-12-2024</a:t>
+              <a:t>29-12-2024</a:t>
             </a:fld>
             <a:endParaRPr lang="en-IN"/>
           </a:p>
@@ -612,7 +634,7 @@
           <a:p>
             <a:fld id="{8562E7A6-3343-40DE-966F-1A633C07EAEA}" type="datetimeFigureOut">
               <a:rPr lang="en-IN" smtClean="0"/>
-              <a:t>28-12-2024</a:t>
+              <a:t>29-12-2024</a:t>
             </a:fld>
             <a:endParaRPr lang="en-IN"/>
           </a:p>
@@ -782,7 +804,7 @@
           <a:p>
             <a:fld id="{8562E7A6-3343-40DE-966F-1A633C07EAEA}" type="datetimeFigureOut">
               <a:rPr lang="en-IN" smtClean="0"/>
-              <a:t>28-12-2024</a:t>
+              <a:t>29-12-2024</a:t>
             </a:fld>
             <a:endParaRPr lang="en-IN"/>
           </a:p>
@@ -1028,7 +1050,7 @@
           <a:p>
             <a:fld id="{8562E7A6-3343-40DE-966F-1A633C07EAEA}" type="datetimeFigureOut">
               <a:rPr lang="en-IN" smtClean="0"/>
-              <a:t>28-12-2024</a:t>
+              <a:t>29-12-2024</a:t>
             </a:fld>
             <a:endParaRPr lang="en-IN"/>
           </a:p>
@@ -1260,7 +1282,7 @@
           <a:p>
             <a:fld id="{8562E7A6-3343-40DE-966F-1A633C07EAEA}" type="datetimeFigureOut">
               <a:rPr lang="en-IN" smtClean="0"/>
-              <a:t>28-12-2024</a:t>
+              <a:t>29-12-2024</a:t>
             </a:fld>
             <a:endParaRPr lang="en-IN"/>
           </a:p>
@@ -1627,7 +1649,7 @@
           <a:p>
             <a:fld id="{8562E7A6-3343-40DE-966F-1A633C07EAEA}" type="datetimeFigureOut">
               <a:rPr lang="en-IN" smtClean="0"/>
-              <a:t>28-12-2024</a:t>
+              <a:t>29-12-2024</a:t>
             </a:fld>
             <a:endParaRPr lang="en-IN"/>
           </a:p>
@@ -1745,7 +1767,7 @@
           <a:p>
             <a:fld id="{8562E7A6-3343-40DE-966F-1A633C07EAEA}" type="datetimeFigureOut">
               <a:rPr lang="en-IN" smtClean="0"/>
-              <a:t>28-12-2024</a:t>
+              <a:t>29-12-2024</a:t>
             </a:fld>
             <a:endParaRPr lang="en-IN"/>
           </a:p>
@@ -1840,7 +1862,7 @@
           <a:p>
             <a:fld id="{8562E7A6-3343-40DE-966F-1A633C07EAEA}" type="datetimeFigureOut">
               <a:rPr lang="en-IN" smtClean="0"/>
-              <a:t>28-12-2024</a:t>
+              <a:t>29-12-2024</a:t>
             </a:fld>
             <a:endParaRPr lang="en-IN"/>
           </a:p>
@@ -2117,7 +2139,7 @@
           <a:p>
             <a:fld id="{8562E7A6-3343-40DE-966F-1A633C07EAEA}" type="datetimeFigureOut">
               <a:rPr lang="en-IN" smtClean="0"/>
-              <a:t>28-12-2024</a:t>
+              <a:t>29-12-2024</a:t>
             </a:fld>
             <a:endParaRPr lang="en-IN"/>
           </a:p>
@@ -2370,7 +2392,7 @@
           <a:p>
             <a:fld id="{8562E7A6-3343-40DE-966F-1A633C07EAEA}" type="datetimeFigureOut">
               <a:rPr lang="en-IN" smtClean="0"/>
-              <a:t>28-12-2024</a:t>
+              <a:t>29-12-2024</a:t>
             </a:fld>
             <a:endParaRPr lang="en-IN"/>
           </a:p>
@@ -2583,7 +2605,7 @@
           <a:p>
             <a:fld id="{8562E7A6-3343-40DE-966F-1A633C07EAEA}" type="datetimeFigureOut">
               <a:rPr lang="en-IN" smtClean="0"/>
-              <a:t>28-12-2024</a:t>
+              <a:t>29-12-2024</a:t>
             </a:fld>
             <a:endParaRPr lang="en-IN"/>
           </a:p>
@@ -4422,6 +4444,318 @@
 </p:sld>
 </file>
 
+<file path=ppt/slides/slide26.xml><?xml version="1.0" encoding="utf-8"?>
+<p:sld xmlns:a="http://schemas.openxmlformats.org/drawingml/2006/main" xmlns:r="http://schemas.openxmlformats.org/officeDocument/2006/relationships" xmlns:p="http://schemas.openxmlformats.org/presentationml/2006/main">
+  <p:cSld>
+    <p:spTree>
+      <p:nvGrpSpPr>
+        <p:cNvPr id="1" name=""/>
+        <p:cNvGrpSpPr/>
+        <p:nvPr/>
+      </p:nvGrpSpPr>
+      <p:grpSpPr>
+        <a:xfrm>
+          <a:off x="0" y="0"/>
+          <a:ext cx="0" cy="0"/>
+          <a:chOff x="0" y="0"/>
+          <a:chExt cx="0" cy="0"/>
+        </a:xfrm>
+      </p:grpSpPr>
+      <p:pic>
+        <p:nvPicPr>
+          <p:cNvPr id="2" name="Picture 1"/>
+          <p:cNvPicPr>
+            <a:picLocks noChangeAspect="1"/>
+          </p:cNvPicPr>
+          <p:nvPr/>
+        </p:nvPicPr>
+        <p:blipFill>
+          <a:blip r:embed="rId2"/>
+          <a:stretch>
+            <a:fillRect/>
+          </a:stretch>
+        </p:blipFill>
+        <p:spPr>
+          <a:xfrm>
+            <a:off x="0" y="343843"/>
+            <a:ext cx="5943600" cy="6134100"/>
+          </a:xfrm>
+          <a:prstGeom prst="rect">
+            <a:avLst/>
+          </a:prstGeom>
+        </p:spPr>
+      </p:pic>
+      <p:pic>
+        <p:nvPicPr>
+          <p:cNvPr id="3" name="Picture 2"/>
+          <p:cNvPicPr>
+            <a:picLocks noChangeAspect="1"/>
+          </p:cNvPicPr>
+          <p:nvPr/>
+        </p:nvPicPr>
+        <p:blipFill>
+          <a:blip r:embed="rId3"/>
+          <a:stretch>
+            <a:fillRect/>
+          </a:stretch>
+        </p:blipFill>
+        <p:spPr>
+          <a:xfrm>
+            <a:off x="6101375" y="667693"/>
+            <a:ext cx="6000750" cy="5486400"/>
+          </a:xfrm>
+          <a:prstGeom prst="rect">
+            <a:avLst/>
+          </a:prstGeom>
+        </p:spPr>
+      </p:pic>
+    </p:spTree>
+    <p:extLst>
+      <p:ext uri="{BB962C8B-B14F-4D97-AF65-F5344CB8AC3E}">
+        <p14:creationId xmlns:p14="http://schemas.microsoft.com/office/powerpoint/2010/main" val="3045290605"/>
+      </p:ext>
+    </p:extLst>
+  </p:cSld>
+  <p:clrMapOvr>
+    <a:masterClrMapping/>
+  </p:clrMapOvr>
+</p:sld>
+</file>
+
+<file path=ppt/slides/slide27.xml><?xml version="1.0" encoding="utf-8"?>
+<p:sld xmlns:a="http://schemas.openxmlformats.org/drawingml/2006/main" xmlns:r="http://schemas.openxmlformats.org/officeDocument/2006/relationships" xmlns:p="http://schemas.openxmlformats.org/presentationml/2006/main">
+  <p:cSld>
+    <p:spTree>
+      <p:nvGrpSpPr>
+        <p:cNvPr id="1" name=""/>
+        <p:cNvGrpSpPr/>
+        <p:nvPr/>
+      </p:nvGrpSpPr>
+      <p:grpSpPr>
+        <a:xfrm>
+          <a:off x="0" y="0"/>
+          <a:ext cx="0" cy="0"/>
+          <a:chOff x="0" y="0"/>
+          <a:chExt cx="0" cy="0"/>
+        </a:xfrm>
+      </p:grpSpPr>
+      <p:pic>
+        <p:nvPicPr>
+          <p:cNvPr id="2" name="Picture 1"/>
+          <p:cNvPicPr>
+            <a:picLocks noChangeAspect="1"/>
+          </p:cNvPicPr>
+          <p:nvPr/>
+        </p:nvPicPr>
+        <p:blipFill>
+          <a:blip r:embed="rId2"/>
+          <a:stretch>
+            <a:fillRect/>
+          </a:stretch>
+        </p:blipFill>
+        <p:spPr>
+          <a:xfrm>
+            <a:off x="102228" y="0"/>
+            <a:ext cx="5867400" cy="6705600"/>
+          </a:xfrm>
+          <a:prstGeom prst="rect">
+            <a:avLst/>
+          </a:prstGeom>
+        </p:spPr>
+      </p:pic>
+      <p:pic>
+        <p:nvPicPr>
+          <p:cNvPr id="3" name="Picture 2"/>
+          <p:cNvPicPr>
+            <a:picLocks noChangeAspect="1"/>
+          </p:cNvPicPr>
+          <p:nvPr/>
+        </p:nvPicPr>
+        <p:blipFill>
+          <a:blip r:embed="rId3"/>
+          <a:stretch>
+            <a:fillRect/>
+          </a:stretch>
+        </p:blipFill>
+        <p:spPr>
+          <a:xfrm>
+            <a:off x="6416927" y="630631"/>
+            <a:ext cx="4591050" cy="5886450"/>
+          </a:xfrm>
+          <a:prstGeom prst="rect">
+            <a:avLst/>
+          </a:prstGeom>
+        </p:spPr>
+      </p:pic>
+    </p:spTree>
+    <p:extLst>
+      <p:ext uri="{BB962C8B-B14F-4D97-AF65-F5344CB8AC3E}">
+        <p14:creationId xmlns:p14="http://schemas.microsoft.com/office/powerpoint/2010/main" val="811959196"/>
+      </p:ext>
+    </p:extLst>
+  </p:cSld>
+  <p:clrMapOvr>
+    <a:masterClrMapping/>
+  </p:clrMapOvr>
+</p:sld>
+</file>
+
+<file path=ppt/slides/slide28.xml><?xml version="1.0" encoding="utf-8"?>
+<p:sld xmlns:a="http://schemas.openxmlformats.org/drawingml/2006/main" xmlns:r="http://schemas.openxmlformats.org/officeDocument/2006/relationships" xmlns:p="http://schemas.openxmlformats.org/presentationml/2006/main">
+  <p:cSld>
+    <p:spTree>
+      <p:nvGrpSpPr>
+        <p:cNvPr id="1" name=""/>
+        <p:cNvGrpSpPr/>
+        <p:nvPr/>
+      </p:nvGrpSpPr>
+      <p:grpSpPr>
+        <a:xfrm>
+          <a:off x="0" y="0"/>
+          <a:ext cx="0" cy="0"/>
+          <a:chOff x="0" y="0"/>
+          <a:chExt cx="0" cy="0"/>
+        </a:xfrm>
+      </p:grpSpPr>
+      <p:pic>
+        <p:nvPicPr>
+          <p:cNvPr id="2" name="Picture 1"/>
+          <p:cNvPicPr>
+            <a:picLocks noChangeAspect="1"/>
+          </p:cNvPicPr>
+          <p:nvPr/>
+        </p:nvPicPr>
+        <p:blipFill>
+          <a:blip r:embed="rId2"/>
+          <a:stretch>
+            <a:fillRect/>
+          </a:stretch>
+        </p:blipFill>
+        <p:spPr>
+          <a:xfrm>
+            <a:off x="0" y="0"/>
+            <a:ext cx="6129148" cy="6733692"/>
+          </a:xfrm>
+          <a:prstGeom prst="rect">
+            <a:avLst/>
+          </a:prstGeom>
+        </p:spPr>
+      </p:pic>
+      <p:pic>
+        <p:nvPicPr>
+          <p:cNvPr id="3" name="Picture 2"/>
+          <p:cNvPicPr>
+            <a:picLocks noChangeAspect="1"/>
+          </p:cNvPicPr>
+          <p:nvPr/>
+        </p:nvPicPr>
+        <p:blipFill>
+          <a:blip r:embed="rId3"/>
+          <a:stretch>
+            <a:fillRect/>
+          </a:stretch>
+        </p:blipFill>
+        <p:spPr>
+          <a:xfrm>
+            <a:off x="5664545" y="605874"/>
+            <a:ext cx="6457950" cy="5972175"/>
+          </a:xfrm>
+          <a:prstGeom prst="rect">
+            <a:avLst/>
+          </a:prstGeom>
+        </p:spPr>
+      </p:pic>
+    </p:spTree>
+    <p:extLst>
+      <p:ext uri="{BB962C8B-B14F-4D97-AF65-F5344CB8AC3E}">
+        <p14:creationId xmlns:p14="http://schemas.microsoft.com/office/powerpoint/2010/main" val="172056156"/>
+      </p:ext>
+    </p:extLst>
+  </p:cSld>
+  <p:clrMapOvr>
+    <a:masterClrMapping/>
+  </p:clrMapOvr>
+</p:sld>
+</file>
+
+<file path=ppt/slides/slide29.xml><?xml version="1.0" encoding="utf-8"?>
+<p:sld xmlns:a="http://schemas.openxmlformats.org/drawingml/2006/main" xmlns:r="http://schemas.openxmlformats.org/officeDocument/2006/relationships" xmlns:p="http://schemas.openxmlformats.org/presentationml/2006/main">
+  <p:cSld>
+    <p:spTree>
+      <p:nvGrpSpPr>
+        <p:cNvPr id="1" name=""/>
+        <p:cNvGrpSpPr/>
+        <p:nvPr/>
+      </p:nvGrpSpPr>
+      <p:grpSpPr>
+        <a:xfrm>
+          <a:off x="0" y="0"/>
+          <a:ext cx="0" cy="0"/>
+          <a:chOff x="0" y="0"/>
+          <a:chExt cx="0" cy="0"/>
+        </a:xfrm>
+      </p:grpSpPr>
+      <p:pic>
+        <p:nvPicPr>
+          <p:cNvPr id="2" name="Picture 1"/>
+          <p:cNvPicPr>
+            <a:picLocks noChangeAspect="1"/>
+          </p:cNvPicPr>
+          <p:nvPr/>
+        </p:nvPicPr>
+        <p:blipFill>
+          <a:blip r:embed="rId2"/>
+          <a:stretch>
+            <a:fillRect/>
+          </a:stretch>
+        </p:blipFill>
+        <p:spPr>
+          <a:xfrm>
+            <a:off x="72428" y="0"/>
+            <a:ext cx="5699863" cy="6612905"/>
+          </a:xfrm>
+          <a:prstGeom prst="rect">
+            <a:avLst/>
+          </a:prstGeom>
+        </p:spPr>
+      </p:pic>
+      <p:pic>
+        <p:nvPicPr>
+          <p:cNvPr id="3" name="Picture 2"/>
+          <p:cNvPicPr>
+            <a:picLocks noChangeAspect="1"/>
+          </p:cNvPicPr>
+          <p:nvPr/>
+        </p:nvPicPr>
+        <p:blipFill>
+          <a:blip r:embed="rId3"/>
+          <a:stretch>
+            <a:fillRect/>
+          </a:stretch>
+        </p:blipFill>
+        <p:spPr>
+          <a:xfrm>
+            <a:off x="6655617" y="257175"/>
+            <a:ext cx="4457700" cy="6600825"/>
+          </a:xfrm>
+          <a:prstGeom prst="rect">
+            <a:avLst/>
+          </a:prstGeom>
+        </p:spPr>
+      </p:pic>
+    </p:spTree>
+    <p:extLst>
+      <p:ext uri="{BB962C8B-B14F-4D97-AF65-F5344CB8AC3E}">
+        <p14:creationId xmlns:p14="http://schemas.microsoft.com/office/powerpoint/2010/main" val="3894548930"/>
+      </p:ext>
+    </p:extLst>
+  </p:cSld>
+  <p:clrMapOvr>
+    <a:masterClrMapping/>
+  </p:clrMapOvr>
+</p:sld>
+</file>
+
 <file path=ppt/slides/slide3.xml><?xml version="1.0" encoding="utf-8"?>
 <p:sld xmlns:a="http://schemas.openxmlformats.org/drawingml/2006/main" xmlns:r="http://schemas.openxmlformats.org/officeDocument/2006/relationships" xmlns:p="http://schemas.openxmlformats.org/presentationml/2006/main">
   <p:cSld>
@@ -4467,6 +4801,786 @@
     <p:extLst>
       <p:ext uri="{BB962C8B-B14F-4D97-AF65-F5344CB8AC3E}">
         <p14:creationId xmlns:p14="http://schemas.microsoft.com/office/powerpoint/2010/main" val="882932569"/>
+      </p:ext>
+    </p:extLst>
+  </p:cSld>
+  <p:clrMapOvr>
+    <a:masterClrMapping/>
+  </p:clrMapOvr>
+</p:sld>
+</file>
+
+<file path=ppt/slides/slide30.xml><?xml version="1.0" encoding="utf-8"?>
+<p:sld xmlns:a="http://schemas.openxmlformats.org/drawingml/2006/main" xmlns:r="http://schemas.openxmlformats.org/officeDocument/2006/relationships" xmlns:p="http://schemas.openxmlformats.org/presentationml/2006/main">
+  <p:cSld>
+    <p:spTree>
+      <p:nvGrpSpPr>
+        <p:cNvPr id="1" name=""/>
+        <p:cNvGrpSpPr/>
+        <p:nvPr/>
+      </p:nvGrpSpPr>
+      <p:grpSpPr>
+        <a:xfrm>
+          <a:off x="0" y="0"/>
+          <a:ext cx="0" cy="0"/>
+          <a:chOff x="0" y="0"/>
+          <a:chExt cx="0" cy="0"/>
+        </a:xfrm>
+      </p:grpSpPr>
+      <p:pic>
+        <p:nvPicPr>
+          <p:cNvPr id="2" name="Picture 1"/>
+          <p:cNvPicPr>
+            <a:picLocks noChangeAspect="1"/>
+          </p:cNvPicPr>
+          <p:nvPr/>
+        </p:nvPicPr>
+        <p:blipFill>
+          <a:blip r:embed="rId2"/>
+          <a:stretch>
+            <a:fillRect/>
+          </a:stretch>
+        </p:blipFill>
+        <p:spPr>
+          <a:xfrm>
+            <a:off x="91440" y="160733"/>
+            <a:ext cx="5434330" cy="6588681"/>
+          </a:xfrm>
+          <a:prstGeom prst="rect">
+            <a:avLst/>
+          </a:prstGeom>
+        </p:spPr>
+      </p:pic>
+      <p:pic>
+        <p:nvPicPr>
+          <p:cNvPr id="3" name="Picture 2"/>
+          <p:cNvPicPr>
+            <a:picLocks noChangeAspect="1"/>
+          </p:cNvPicPr>
+          <p:nvPr/>
+        </p:nvPicPr>
+        <p:blipFill>
+          <a:blip r:embed="rId3"/>
+          <a:stretch>
+            <a:fillRect/>
+          </a:stretch>
+        </p:blipFill>
+        <p:spPr>
+          <a:xfrm>
+            <a:off x="6052820" y="92748"/>
+            <a:ext cx="5715000" cy="6724650"/>
+          </a:xfrm>
+          <a:prstGeom prst="rect">
+            <a:avLst/>
+          </a:prstGeom>
+        </p:spPr>
+      </p:pic>
+    </p:spTree>
+    <p:extLst>
+      <p:ext uri="{BB962C8B-B14F-4D97-AF65-F5344CB8AC3E}">
+        <p14:creationId xmlns:p14="http://schemas.microsoft.com/office/powerpoint/2010/main" val="2962685005"/>
+      </p:ext>
+    </p:extLst>
+  </p:cSld>
+  <p:clrMapOvr>
+    <a:masterClrMapping/>
+  </p:clrMapOvr>
+</p:sld>
+</file>
+
+<file path=ppt/slides/slide31.xml><?xml version="1.0" encoding="utf-8"?>
+<p:sld xmlns:a="http://schemas.openxmlformats.org/drawingml/2006/main" xmlns:r="http://schemas.openxmlformats.org/officeDocument/2006/relationships" xmlns:p="http://schemas.openxmlformats.org/presentationml/2006/main">
+  <p:cSld>
+    <p:spTree>
+      <p:nvGrpSpPr>
+        <p:cNvPr id="1" name=""/>
+        <p:cNvGrpSpPr/>
+        <p:nvPr/>
+      </p:nvGrpSpPr>
+      <p:grpSpPr>
+        <a:xfrm>
+          <a:off x="0" y="0"/>
+          <a:ext cx="0" cy="0"/>
+          <a:chOff x="0" y="0"/>
+          <a:chExt cx="0" cy="0"/>
+        </a:xfrm>
+      </p:grpSpPr>
+      <p:pic>
+        <p:nvPicPr>
+          <p:cNvPr id="2" name="Picture 1"/>
+          <p:cNvPicPr>
+            <a:picLocks noChangeAspect="1"/>
+          </p:cNvPicPr>
+          <p:nvPr/>
+        </p:nvPicPr>
+        <p:blipFill>
+          <a:blip r:embed="rId2"/>
+          <a:stretch>
+            <a:fillRect/>
+          </a:stretch>
+        </p:blipFill>
+        <p:spPr>
+          <a:xfrm>
+            <a:off x="0" y="0"/>
+            <a:ext cx="5607685" cy="6701643"/>
+          </a:xfrm>
+          <a:prstGeom prst="rect">
+            <a:avLst/>
+          </a:prstGeom>
+        </p:spPr>
+      </p:pic>
+      <p:pic>
+        <p:nvPicPr>
+          <p:cNvPr id="3" name="Picture 2"/>
+          <p:cNvPicPr>
+            <a:picLocks noChangeAspect="1"/>
+          </p:cNvPicPr>
+          <p:nvPr/>
+        </p:nvPicPr>
+        <p:blipFill>
+          <a:blip r:embed="rId3"/>
+          <a:stretch>
+            <a:fillRect/>
+          </a:stretch>
+        </p:blipFill>
+        <p:spPr>
+          <a:xfrm>
+            <a:off x="5944552" y="609600"/>
+            <a:ext cx="5667375" cy="6248400"/>
+          </a:xfrm>
+          <a:prstGeom prst="rect">
+            <a:avLst/>
+          </a:prstGeom>
+        </p:spPr>
+      </p:pic>
+    </p:spTree>
+    <p:extLst>
+      <p:ext uri="{BB962C8B-B14F-4D97-AF65-F5344CB8AC3E}">
+        <p14:creationId xmlns:p14="http://schemas.microsoft.com/office/powerpoint/2010/main" val="2094365769"/>
+      </p:ext>
+    </p:extLst>
+  </p:cSld>
+  <p:clrMapOvr>
+    <a:masterClrMapping/>
+  </p:clrMapOvr>
+</p:sld>
+</file>
+
+<file path=ppt/slides/slide32.xml><?xml version="1.0" encoding="utf-8"?>
+<p:sld xmlns:a="http://schemas.openxmlformats.org/drawingml/2006/main" xmlns:r="http://schemas.openxmlformats.org/officeDocument/2006/relationships" xmlns:p="http://schemas.openxmlformats.org/presentationml/2006/main">
+  <p:cSld>
+    <p:spTree>
+      <p:nvGrpSpPr>
+        <p:cNvPr id="1" name=""/>
+        <p:cNvGrpSpPr/>
+        <p:nvPr/>
+      </p:nvGrpSpPr>
+      <p:grpSpPr>
+        <a:xfrm>
+          <a:off x="0" y="0"/>
+          <a:ext cx="0" cy="0"/>
+          <a:chOff x="0" y="0"/>
+          <a:chExt cx="0" cy="0"/>
+        </a:xfrm>
+      </p:grpSpPr>
+      <p:pic>
+        <p:nvPicPr>
+          <p:cNvPr id="2" name="Picture 1"/>
+          <p:cNvPicPr>
+            <a:picLocks noChangeAspect="1"/>
+          </p:cNvPicPr>
+          <p:nvPr/>
+        </p:nvPicPr>
+        <p:blipFill>
+          <a:blip r:embed="rId2"/>
+          <a:stretch>
+            <a:fillRect/>
+          </a:stretch>
+        </p:blipFill>
+        <p:spPr>
+          <a:xfrm>
+            <a:off x="0" y="0"/>
+            <a:ext cx="5474474" cy="6619875"/>
+          </a:xfrm>
+          <a:prstGeom prst="rect">
+            <a:avLst/>
+          </a:prstGeom>
+        </p:spPr>
+      </p:pic>
+      <p:pic>
+        <p:nvPicPr>
+          <p:cNvPr id="3" name="Picture 2"/>
+          <p:cNvPicPr>
+            <a:picLocks noChangeAspect="1"/>
+          </p:cNvPicPr>
+          <p:nvPr/>
+        </p:nvPicPr>
+        <p:blipFill>
+          <a:blip r:embed="rId3"/>
+          <a:stretch>
+            <a:fillRect/>
+          </a:stretch>
+        </p:blipFill>
+        <p:spPr>
+          <a:xfrm>
+            <a:off x="6069647" y="1076325"/>
+            <a:ext cx="5762625" cy="5314950"/>
+          </a:xfrm>
+          <a:prstGeom prst="rect">
+            <a:avLst/>
+          </a:prstGeom>
+        </p:spPr>
+      </p:pic>
+    </p:spTree>
+    <p:extLst>
+      <p:ext uri="{BB962C8B-B14F-4D97-AF65-F5344CB8AC3E}">
+        <p14:creationId xmlns:p14="http://schemas.microsoft.com/office/powerpoint/2010/main" val="1713292161"/>
+      </p:ext>
+    </p:extLst>
+  </p:cSld>
+  <p:clrMapOvr>
+    <a:masterClrMapping/>
+  </p:clrMapOvr>
+</p:sld>
+</file>
+
+<file path=ppt/slides/slide33.xml><?xml version="1.0" encoding="utf-8"?>
+<p:sld xmlns:a="http://schemas.openxmlformats.org/drawingml/2006/main" xmlns:r="http://schemas.openxmlformats.org/officeDocument/2006/relationships" xmlns:p="http://schemas.openxmlformats.org/presentationml/2006/main">
+  <p:cSld>
+    <p:spTree>
+      <p:nvGrpSpPr>
+        <p:cNvPr id="1" name=""/>
+        <p:cNvGrpSpPr/>
+        <p:nvPr/>
+      </p:nvGrpSpPr>
+      <p:grpSpPr>
+        <a:xfrm>
+          <a:off x="0" y="0"/>
+          <a:ext cx="0" cy="0"/>
+          <a:chOff x="0" y="0"/>
+          <a:chExt cx="0" cy="0"/>
+        </a:xfrm>
+      </p:grpSpPr>
+      <p:pic>
+        <p:nvPicPr>
+          <p:cNvPr id="2" name="Picture 1"/>
+          <p:cNvPicPr>
+            <a:picLocks noChangeAspect="1"/>
+          </p:cNvPicPr>
+          <p:nvPr/>
+        </p:nvPicPr>
+        <p:blipFill>
+          <a:blip r:embed="rId2"/>
+          <a:stretch>
+            <a:fillRect/>
+          </a:stretch>
+        </p:blipFill>
+        <p:spPr>
+          <a:xfrm>
+            <a:off x="111760" y="83410"/>
+            <a:ext cx="5594350" cy="6568850"/>
+          </a:xfrm>
+          <a:prstGeom prst="rect">
+            <a:avLst/>
+          </a:prstGeom>
+        </p:spPr>
+      </p:pic>
+      <p:pic>
+        <p:nvPicPr>
+          <p:cNvPr id="3" name="Picture 2"/>
+          <p:cNvPicPr>
+            <a:picLocks noChangeAspect="1"/>
+          </p:cNvPicPr>
+          <p:nvPr/>
+        </p:nvPicPr>
+        <p:blipFill>
+          <a:blip r:embed="rId3"/>
+          <a:stretch>
+            <a:fillRect/>
+          </a:stretch>
+        </p:blipFill>
+        <p:spPr>
+          <a:xfrm>
+            <a:off x="7074535" y="260985"/>
+            <a:ext cx="4362450" cy="6391275"/>
+          </a:xfrm>
+          <a:prstGeom prst="rect">
+            <a:avLst/>
+          </a:prstGeom>
+        </p:spPr>
+      </p:pic>
+    </p:spTree>
+    <p:extLst>
+      <p:ext uri="{BB962C8B-B14F-4D97-AF65-F5344CB8AC3E}">
+        <p14:creationId xmlns:p14="http://schemas.microsoft.com/office/powerpoint/2010/main" val="165235951"/>
+      </p:ext>
+    </p:extLst>
+  </p:cSld>
+  <p:clrMapOvr>
+    <a:masterClrMapping/>
+  </p:clrMapOvr>
+</p:sld>
+</file>
+
+<file path=ppt/slides/slide34.xml><?xml version="1.0" encoding="utf-8"?>
+<p:sld xmlns:a="http://schemas.openxmlformats.org/drawingml/2006/main" xmlns:r="http://schemas.openxmlformats.org/officeDocument/2006/relationships" xmlns:p="http://schemas.openxmlformats.org/presentationml/2006/main">
+  <p:cSld>
+    <p:spTree>
+      <p:nvGrpSpPr>
+        <p:cNvPr id="1" name=""/>
+        <p:cNvGrpSpPr/>
+        <p:nvPr/>
+      </p:nvGrpSpPr>
+      <p:grpSpPr>
+        <a:xfrm>
+          <a:off x="0" y="0"/>
+          <a:ext cx="0" cy="0"/>
+          <a:chOff x="0" y="0"/>
+          <a:chExt cx="0" cy="0"/>
+        </a:xfrm>
+      </p:grpSpPr>
+      <p:pic>
+        <p:nvPicPr>
+          <p:cNvPr id="2" name="Picture 1"/>
+          <p:cNvPicPr>
+            <a:picLocks noChangeAspect="1"/>
+          </p:cNvPicPr>
+          <p:nvPr/>
+        </p:nvPicPr>
+        <p:blipFill>
+          <a:blip r:embed="rId2"/>
+          <a:stretch>
+            <a:fillRect/>
+          </a:stretch>
+        </p:blipFill>
+        <p:spPr>
+          <a:xfrm>
+            <a:off x="76517" y="111125"/>
+            <a:ext cx="5800725" cy="6534150"/>
+          </a:xfrm>
+          <a:prstGeom prst="rect">
+            <a:avLst/>
+          </a:prstGeom>
+        </p:spPr>
+      </p:pic>
+      <p:pic>
+        <p:nvPicPr>
+          <p:cNvPr id="3" name="Picture 2"/>
+          <p:cNvPicPr>
+            <a:picLocks noChangeAspect="1"/>
+          </p:cNvPicPr>
+          <p:nvPr/>
+        </p:nvPicPr>
+        <p:blipFill>
+          <a:blip r:embed="rId3"/>
+          <a:stretch>
+            <a:fillRect/>
+          </a:stretch>
+        </p:blipFill>
+        <p:spPr>
+          <a:xfrm>
+            <a:off x="5877242" y="533400"/>
+            <a:ext cx="5819775" cy="6324600"/>
+          </a:xfrm>
+          <a:prstGeom prst="rect">
+            <a:avLst/>
+          </a:prstGeom>
+        </p:spPr>
+      </p:pic>
+    </p:spTree>
+    <p:extLst>
+      <p:ext uri="{BB962C8B-B14F-4D97-AF65-F5344CB8AC3E}">
+        <p14:creationId xmlns:p14="http://schemas.microsoft.com/office/powerpoint/2010/main" val="1396075743"/>
+      </p:ext>
+    </p:extLst>
+  </p:cSld>
+  <p:clrMapOvr>
+    <a:masterClrMapping/>
+  </p:clrMapOvr>
+</p:sld>
+</file>
+
+<file path=ppt/slides/slide35.xml><?xml version="1.0" encoding="utf-8"?>
+<p:sld xmlns:a="http://schemas.openxmlformats.org/drawingml/2006/main" xmlns:r="http://schemas.openxmlformats.org/officeDocument/2006/relationships" xmlns:p="http://schemas.openxmlformats.org/presentationml/2006/main">
+  <p:cSld>
+    <p:spTree>
+      <p:nvGrpSpPr>
+        <p:cNvPr id="1" name=""/>
+        <p:cNvGrpSpPr/>
+        <p:nvPr/>
+      </p:nvGrpSpPr>
+      <p:grpSpPr>
+        <a:xfrm>
+          <a:off x="0" y="0"/>
+          <a:ext cx="0" cy="0"/>
+          <a:chOff x="0" y="0"/>
+          <a:chExt cx="0" cy="0"/>
+        </a:xfrm>
+      </p:grpSpPr>
+      <p:pic>
+        <p:nvPicPr>
+          <p:cNvPr id="2" name="Picture 1"/>
+          <p:cNvPicPr>
+            <a:picLocks noChangeAspect="1"/>
+          </p:cNvPicPr>
+          <p:nvPr/>
+        </p:nvPicPr>
+        <p:blipFill>
+          <a:blip r:embed="rId2"/>
+          <a:stretch>
+            <a:fillRect/>
+          </a:stretch>
+        </p:blipFill>
+        <p:spPr>
+          <a:xfrm>
+            <a:off x="0" y="129540"/>
+            <a:ext cx="5895975" cy="6172200"/>
+          </a:xfrm>
+          <a:prstGeom prst="rect">
+            <a:avLst/>
+          </a:prstGeom>
+        </p:spPr>
+      </p:pic>
+      <p:pic>
+        <p:nvPicPr>
+          <p:cNvPr id="3" name="Picture 2"/>
+          <p:cNvPicPr>
+            <a:picLocks noChangeAspect="1"/>
+          </p:cNvPicPr>
+          <p:nvPr/>
+        </p:nvPicPr>
+        <p:blipFill>
+          <a:blip r:embed="rId3"/>
+          <a:stretch>
+            <a:fillRect/>
+          </a:stretch>
+        </p:blipFill>
+        <p:spPr>
+          <a:xfrm>
+            <a:off x="6482079" y="129540"/>
+            <a:ext cx="5493385" cy="6453394"/>
+          </a:xfrm>
+          <a:prstGeom prst="rect">
+            <a:avLst/>
+          </a:prstGeom>
+        </p:spPr>
+      </p:pic>
+    </p:spTree>
+    <p:extLst>
+      <p:ext uri="{BB962C8B-B14F-4D97-AF65-F5344CB8AC3E}">
+        <p14:creationId xmlns:p14="http://schemas.microsoft.com/office/powerpoint/2010/main" val="1874790621"/>
+      </p:ext>
+    </p:extLst>
+  </p:cSld>
+  <p:clrMapOvr>
+    <a:masterClrMapping/>
+  </p:clrMapOvr>
+</p:sld>
+</file>
+
+<file path=ppt/slides/slide36.xml><?xml version="1.0" encoding="utf-8"?>
+<p:sld xmlns:a="http://schemas.openxmlformats.org/drawingml/2006/main" xmlns:r="http://schemas.openxmlformats.org/officeDocument/2006/relationships" xmlns:p="http://schemas.openxmlformats.org/presentationml/2006/main">
+  <p:cSld>
+    <p:spTree>
+      <p:nvGrpSpPr>
+        <p:cNvPr id="1" name=""/>
+        <p:cNvGrpSpPr/>
+        <p:nvPr/>
+      </p:nvGrpSpPr>
+      <p:grpSpPr>
+        <a:xfrm>
+          <a:off x="0" y="0"/>
+          <a:ext cx="0" cy="0"/>
+          <a:chOff x="0" y="0"/>
+          <a:chExt cx="0" cy="0"/>
+        </a:xfrm>
+      </p:grpSpPr>
+      <p:pic>
+        <p:nvPicPr>
+          <p:cNvPr id="2" name="Picture 1"/>
+          <p:cNvPicPr>
+            <a:picLocks noChangeAspect="1"/>
+          </p:cNvPicPr>
+          <p:nvPr/>
+        </p:nvPicPr>
+        <p:blipFill>
+          <a:blip r:embed="rId2"/>
+          <a:stretch>
+            <a:fillRect/>
+          </a:stretch>
+        </p:blipFill>
+        <p:spPr>
+          <a:xfrm>
+            <a:off x="0" y="0"/>
+            <a:ext cx="5902960" cy="6714617"/>
+          </a:xfrm>
+          <a:prstGeom prst="rect">
+            <a:avLst/>
+          </a:prstGeom>
+        </p:spPr>
+      </p:pic>
+      <p:pic>
+        <p:nvPicPr>
+          <p:cNvPr id="3" name="Picture 2"/>
+          <p:cNvPicPr>
+            <a:picLocks noChangeAspect="1"/>
+          </p:cNvPicPr>
+          <p:nvPr/>
+        </p:nvPicPr>
+        <p:blipFill>
+          <a:blip r:embed="rId3"/>
+          <a:stretch>
+            <a:fillRect/>
+          </a:stretch>
+        </p:blipFill>
+        <p:spPr>
+          <a:xfrm>
+            <a:off x="6100762" y="813435"/>
+            <a:ext cx="5781675" cy="5353050"/>
+          </a:xfrm>
+          <a:prstGeom prst="rect">
+            <a:avLst/>
+          </a:prstGeom>
+        </p:spPr>
+      </p:pic>
+    </p:spTree>
+    <p:extLst>
+      <p:ext uri="{BB962C8B-B14F-4D97-AF65-F5344CB8AC3E}">
+        <p14:creationId xmlns:p14="http://schemas.microsoft.com/office/powerpoint/2010/main" val="947964895"/>
+      </p:ext>
+    </p:extLst>
+  </p:cSld>
+  <p:clrMapOvr>
+    <a:masterClrMapping/>
+  </p:clrMapOvr>
+</p:sld>
+</file>
+
+<file path=ppt/slides/slide37.xml><?xml version="1.0" encoding="utf-8"?>
+<p:sld xmlns:a="http://schemas.openxmlformats.org/drawingml/2006/main" xmlns:r="http://schemas.openxmlformats.org/officeDocument/2006/relationships" xmlns:p="http://schemas.openxmlformats.org/presentationml/2006/main">
+  <p:cSld>
+    <p:spTree>
+      <p:nvGrpSpPr>
+        <p:cNvPr id="1" name=""/>
+        <p:cNvGrpSpPr/>
+        <p:nvPr/>
+      </p:nvGrpSpPr>
+      <p:grpSpPr>
+        <a:xfrm>
+          <a:off x="0" y="0"/>
+          <a:ext cx="0" cy="0"/>
+          <a:chOff x="0" y="0"/>
+          <a:chExt cx="0" cy="0"/>
+        </a:xfrm>
+      </p:grpSpPr>
+      <p:pic>
+        <p:nvPicPr>
+          <p:cNvPr id="2" name="Picture 1"/>
+          <p:cNvPicPr>
+            <a:picLocks noChangeAspect="1"/>
+          </p:cNvPicPr>
+          <p:nvPr/>
+        </p:nvPicPr>
+        <p:blipFill>
+          <a:blip r:embed="rId2"/>
+          <a:stretch>
+            <a:fillRect/>
+          </a:stretch>
+        </p:blipFill>
+        <p:spPr>
+          <a:xfrm>
+            <a:off x="0" y="276225"/>
+            <a:ext cx="5734050" cy="6581775"/>
+          </a:xfrm>
+          <a:prstGeom prst="rect">
+            <a:avLst/>
+          </a:prstGeom>
+        </p:spPr>
+      </p:pic>
+      <p:pic>
+        <p:nvPicPr>
+          <p:cNvPr id="3" name="Picture 2"/>
+          <p:cNvPicPr>
+            <a:picLocks noChangeAspect="1"/>
+          </p:cNvPicPr>
+          <p:nvPr/>
+        </p:nvPicPr>
+        <p:blipFill>
+          <a:blip r:embed="rId3"/>
+          <a:stretch>
+            <a:fillRect/>
+          </a:stretch>
+        </p:blipFill>
+        <p:spPr>
+          <a:xfrm>
+            <a:off x="5932170" y="635317"/>
+            <a:ext cx="5753100" cy="5648325"/>
+          </a:xfrm>
+          <a:prstGeom prst="rect">
+            <a:avLst/>
+          </a:prstGeom>
+        </p:spPr>
+      </p:pic>
+    </p:spTree>
+    <p:extLst>
+      <p:ext uri="{BB962C8B-B14F-4D97-AF65-F5344CB8AC3E}">
+        <p14:creationId xmlns:p14="http://schemas.microsoft.com/office/powerpoint/2010/main" val="313150071"/>
+      </p:ext>
+    </p:extLst>
+  </p:cSld>
+  <p:clrMapOvr>
+    <a:masterClrMapping/>
+  </p:clrMapOvr>
+</p:sld>
+</file>
+
+<file path=ppt/slides/slide38.xml><?xml version="1.0" encoding="utf-8"?>
+<p:sld xmlns:a="http://schemas.openxmlformats.org/drawingml/2006/main" xmlns:r="http://schemas.openxmlformats.org/officeDocument/2006/relationships" xmlns:p="http://schemas.openxmlformats.org/presentationml/2006/main">
+  <p:cSld>
+    <p:spTree>
+      <p:nvGrpSpPr>
+        <p:cNvPr id="1" name=""/>
+        <p:cNvGrpSpPr/>
+        <p:nvPr/>
+      </p:nvGrpSpPr>
+      <p:grpSpPr>
+        <a:xfrm>
+          <a:off x="0" y="0"/>
+          <a:ext cx="0" cy="0"/>
+          <a:chOff x="0" y="0"/>
+          <a:chExt cx="0" cy="0"/>
+        </a:xfrm>
+      </p:grpSpPr>
+      <p:pic>
+        <p:nvPicPr>
+          <p:cNvPr id="2" name="Picture 1"/>
+          <p:cNvPicPr>
+            <a:picLocks noChangeAspect="1"/>
+          </p:cNvPicPr>
+          <p:nvPr/>
+        </p:nvPicPr>
+        <p:blipFill>
+          <a:blip r:embed="rId2"/>
+          <a:stretch>
+            <a:fillRect/>
+          </a:stretch>
+        </p:blipFill>
+        <p:spPr>
+          <a:xfrm>
+            <a:off x="95567" y="101917"/>
+            <a:ext cx="5762625" cy="6410325"/>
+          </a:xfrm>
+          <a:prstGeom prst="rect">
+            <a:avLst/>
+          </a:prstGeom>
+        </p:spPr>
+      </p:pic>
+      <p:pic>
+        <p:nvPicPr>
+          <p:cNvPr id="3" name="Picture 2"/>
+          <p:cNvPicPr>
+            <a:picLocks noChangeAspect="1"/>
+          </p:cNvPicPr>
+          <p:nvPr/>
+        </p:nvPicPr>
+        <p:blipFill>
+          <a:blip r:embed="rId3"/>
+          <a:stretch>
+            <a:fillRect/>
+          </a:stretch>
+        </p:blipFill>
+        <p:spPr>
+          <a:xfrm>
+            <a:off x="6024245" y="387666"/>
+            <a:ext cx="5772150" cy="5838825"/>
+          </a:xfrm>
+          <a:prstGeom prst="rect">
+            <a:avLst/>
+          </a:prstGeom>
+        </p:spPr>
+      </p:pic>
+    </p:spTree>
+    <p:extLst>
+      <p:ext uri="{BB962C8B-B14F-4D97-AF65-F5344CB8AC3E}">
+        <p14:creationId xmlns:p14="http://schemas.microsoft.com/office/powerpoint/2010/main" val="2904959461"/>
+      </p:ext>
+    </p:extLst>
+  </p:cSld>
+  <p:clrMapOvr>
+    <a:masterClrMapping/>
+  </p:clrMapOvr>
+</p:sld>
+</file>
+
+<file path=ppt/slides/slide39.xml><?xml version="1.0" encoding="utf-8"?>
+<p:sld xmlns:a="http://schemas.openxmlformats.org/drawingml/2006/main" xmlns:r="http://schemas.openxmlformats.org/officeDocument/2006/relationships" xmlns:p="http://schemas.openxmlformats.org/presentationml/2006/main">
+  <p:cSld>
+    <p:spTree>
+      <p:nvGrpSpPr>
+        <p:cNvPr id="1" name=""/>
+        <p:cNvGrpSpPr/>
+        <p:nvPr/>
+      </p:nvGrpSpPr>
+      <p:grpSpPr>
+        <a:xfrm>
+          <a:off x="0" y="0"/>
+          <a:ext cx="0" cy="0"/>
+          <a:chOff x="0" y="0"/>
+          <a:chExt cx="0" cy="0"/>
+        </a:xfrm>
+      </p:grpSpPr>
+      <p:pic>
+        <p:nvPicPr>
+          <p:cNvPr id="2" name="Picture 1"/>
+          <p:cNvPicPr>
+            <a:picLocks noChangeAspect="1"/>
+          </p:cNvPicPr>
+          <p:nvPr/>
+        </p:nvPicPr>
+        <p:blipFill>
+          <a:blip r:embed="rId2"/>
+          <a:stretch>
+            <a:fillRect/>
+          </a:stretch>
+        </p:blipFill>
+        <p:spPr>
+          <a:xfrm>
+            <a:off x="0" y="0"/>
+            <a:ext cx="6115050" cy="6772275"/>
+          </a:xfrm>
+          <a:prstGeom prst="rect">
+            <a:avLst/>
+          </a:prstGeom>
+        </p:spPr>
+      </p:pic>
+      <p:pic>
+        <p:nvPicPr>
+          <p:cNvPr id="3" name="Picture 2"/>
+          <p:cNvPicPr>
+            <a:picLocks noChangeAspect="1"/>
+          </p:cNvPicPr>
+          <p:nvPr/>
+        </p:nvPicPr>
+        <p:blipFill>
+          <a:blip r:embed="rId3"/>
+          <a:stretch>
+            <a:fillRect/>
+          </a:stretch>
+        </p:blipFill>
+        <p:spPr>
+          <a:xfrm>
+            <a:off x="7204392" y="190500"/>
+            <a:ext cx="4448175" cy="6667500"/>
+          </a:xfrm>
+          <a:prstGeom prst="rect">
+            <a:avLst/>
+          </a:prstGeom>
+        </p:spPr>
+      </p:pic>
+    </p:spTree>
+    <p:extLst>
+      <p:ext uri="{BB962C8B-B14F-4D97-AF65-F5344CB8AC3E}">
+        <p14:creationId xmlns:p14="http://schemas.microsoft.com/office/powerpoint/2010/main" val="587777284"/>
       </p:ext>
     </p:extLst>
   </p:cSld>
@@ -4545,6 +5659,192 @@
     <p:extLst>
       <p:ext uri="{BB962C8B-B14F-4D97-AF65-F5344CB8AC3E}">
         <p14:creationId xmlns:p14="http://schemas.microsoft.com/office/powerpoint/2010/main" val="759690636"/>
+      </p:ext>
+    </p:extLst>
+  </p:cSld>
+  <p:clrMapOvr>
+    <a:masterClrMapping/>
+  </p:clrMapOvr>
+</p:sld>
+</file>
+
+<file path=ppt/slides/slide40.xml><?xml version="1.0" encoding="utf-8"?>
+<p:sld xmlns:a="http://schemas.openxmlformats.org/drawingml/2006/main" xmlns:r="http://schemas.openxmlformats.org/officeDocument/2006/relationships" xmlns:p="http://schemas.openxmlformats.org/presentationml/2006/main">
+  <p:cSld>
+    <p:spTree>
+      <p:nvGrpSpPr>
+        <p:cNvPr id="1" name=""/>
+        <p:cNvGrpSpPr/>
+        <p:nvPr/>
+      </p:nvGrpSpPr>
+      <p:grpSpPr>
+        <a:xfrm>
+          <a:off x="0" y="0"/>
+          <a:ext cx="0" cy="0"/>
+          <a:chOff x="0" y="0"/>
+          <a:chExt cx="0" cy="0"/>
+        </a:xfrm>
+      </p:grpSpPr>
+      <p:pic>
+        <p:nvPicPr>
+          <p:cNvPr id="2" name="Picture 1"/>
+          <p:cNvPicPr>
+            <a:picLocks noChangeAspect="1"/>
+          </p:cNvPicPr>
+          <p:nvPr/>
+        </p:nvPicPr>
+        <p:blipFill>
+          <a:blip r:embed="rId2"/>
+          <a:stretch>
+            <a:fillRect/>
+          </a:stretch>
+        </p:blipFill>
+        <p:spPr>
+          <a:xfrm>
+            <a:off x="3252787" y="433387"/>
+            <a:ext cx="5686425" cy="5991225"/>
+          </a:xfrm>
+          <a:prstGeom prst="rect">
+            <a:avLst/>
+          </a:prstGeom>
+        </p:spPr>
+      </p:pic>
+    </p:spTree>
+    <p:extLst>
+      <p:ext uri="{BB962C8B-B14F-4D97-AF65-F5344CB8AC3E}">
+        <p14:creationId xmlns:p14="http://schemas.microsoft.com/office/powerpoint/2010/main" val="728869555"/>
+      </p:ext>
+    </p:extLst>
+  </p:cSld>
+  <p:clrMapOvr>
+    <a:masterClrMapping/>
+  </p:clrMapOvr>
+</p:sld>
+</file>
+
+<file path=ppt/slides/slide41.xml><?xml version="1.0" encoding="utf-8"?>
+<p:sld xmlns:a="http://schemas.openxmlformats.org/drawingml/2006/main" xmlns:r="http://schemas.openxmlformats.org/officeDocument/2006/relationships" xmlns:p="http://schemas.openxmlformats.org/presentationml/2006/main">
+  <p:cSld>
+    <p:spTree>
+      <p:nvGrpSpPr>
+        <p:cNvPr id="1" name=""/>
+        <p:cNvGrpSpPr/>
+        <p:nvPr/>
+      </p:nvGrpSpPr>
+      <p:grpSpPr>
+        <a:xfrm>
+          <a:off x="0" y="0"/>
+          <a:ext cx="0" cy="0"/>
+          <a:chOff x="0" y="0"/>
+          <a:chExt cx="0" cy="0"/>
+        </a:xfrm>
+      </p:grpSpPr>
+      <p:pic>
+        <p:nvPicPr>
+          <p:cNvPr id="2" name="Picture 1"/>
+          <p:cNvPicPr>
+            <a:picLocks noChangeAspect="1"/>
+          </p:cNvPicPr>
+          <p:nvPr/>
+        </p:nvPicPr>
+        <p:blipFill>
+          <a:blip r:embed="rId2"/>
+          <a:stretch>
+            <a:fillRect/>
+          </a:stretch>
+        </p:blipFill>
+        <p:spPr>
+          <a:xfrm>
+            <a:off x="242887" y="167322"/>
+            <a:ext cx="5915025" cy="6543675"/>
+          </a:xfrm>
+          <a:prstGeom prst="rect">
+            <a:avLst/>
+          </a:prstGeom>
+        </p:spPr>
+      </p:pic>
+      <p:pic>
+        <p:nvPicPr>
+          <p:cNvPr id="3" name="Picture 2"/>
+          <p:cNvPicPr>
+            <a:picLocks noChangeAspect="1"/>
+          </p:cNvPicPr>
+          <p:nvPr/>
+        </p:nvPicPr>
+        <p:blipFill>
+          <a:blip r:embed="rId3"/>
+          <a:stretch>
+            <a:fillRect/>
+          </a:stretch>
+        </p:blipFill>
+        <p:spPr>
+          <a:xfrm>
+            <a:off x="6247130" y="325120"/>
+            <a:ext cx="5753100" cy="5638800"/>
+          </a:xfrm>
+          <a:prstGeom prst="rect">
+            <a:avLst/>
+          </a:prstGeom>
+        </p:spPr>
+      </p:pic>
+    </p:spTree>
+    <p:extLst>
+      <p:ext uri="{BB962C8B-B14F-4D97-AF65-F5344CB8AC3E}">
+        <p14:creationId xmlns:p14="http://schemas.microsoft.com/office/powerpoint/2010/main" val="896553240"/>
+      </p:ext>
+    </p:extLst>
+  </p:cSld>
+  <p:clrMapOvr>
+    <a:masterClrMapping/>
+  </p:clrMapOvr>
+</p:sld>
+</file>
+
+<file path=ppt/slides/slide42.xml><?xml version="1.0" encoding="utf-8"?>
+<p:sld xmlns:a="http://schemas.openxmlformats.org/drawingml/2006/main" xmlns:r="http://schemas.openxmlformats.org/officeDocument/2006/relationships" xmlns:p="http://schemas.openxmlformats.org/presentationml/2006/main">
+  <p:cSld>
+    <p:spTree>
+      <p:nvGrpSpPr>
+        <p:cNvPr id="1" name=""/>
+        <p:cNvGrpSpPr/>
+        <p:nvPr/>
+      </p:nvGrpSpPr>
+      <p:grpSpPr>
+        <a:xfrm>
+          <a:off x="0" y="0"/>
+          <a:ext cx="0" cy="0"/>
+          <a:chOff x="0" y="0"/>
+          <a:chExt cx="0" cy="0"/>
+        </a:xfrm>
+      </p:grpSpPr>
+      <p:pic>
+        <p:nvPicPr>
+          <p:cNvPr id="2" name="Picture 1"/>
+          <p:cNvPicPr>
+            <a:picLocks noChangeAspect="1"/>
+          </p:cNvPicPr>
+          <p:nvPr/>
+        </p:nvPicPr>
+        <p:blipFill>
+          <a:blip r:embed="rId2"/>
+          <a:stretch>
+            <a:fillRect/>
+          </a:stretch>
+        </p:blipFill>
+        <p:spPr>
+          <a:xfrm>
+            <a:off x="3086100" y="233362"/>
+            <a:ext cx="6019800" cy="6391275"/>
+          </a:xfrm>
+          <a:prstGeom prst="rect">
+            <a:avLst/>
+          </a:prstGeom>
+        </p:spPr>
+      </p:pic>
+    </p:spTree>
+    <p:extLst>
+      <p:ext uri="{BB962C8B-B14F-4D97-AF65-F5344CB8AC3E}">
+        <p14:creationId xmlns:p14="http://schemas.microsoft.com/office/powerpoint/2010/main" val="3243472206"/>
       </p:ext>
     </p:extLst>
   </p:cSld>
